--- a/2-python/Python体験会.pptx
+++ b/2-python/Python体験会.pptx
@@ -258,7 +258,7 @@
           <a:p>
             <a:fld id="{135480E7-1732-4410-998F-6F99E637031F}" type="datetimeFigureOut">
               <a:rPr kumimoji="1" lang="ja-JP" altLang="en-US" smtClean="0"/>
-              <a:t>2025/5/18</a:t>
+              <a:t>2025/5/19</a:t>
             </a:fld>
             <a:endParaRPr kumimoji="1" lang="ja-JP" altLang="en-US"/>
           </a:p>
@@ -1736,7 +1736,7 @@
           <a:p>
             <a:fld id="{58D6FE3C-E830-4DE1-B21D-33D24C640CB8}" type="datetimeFigureOut">
               <a:rPr kumimoji="1" lang="ja-JP" altLang="en-US" smtClean="0"/>
-              <a:t>2025/5/18</a:t>
+              <a:t>2025/5/19</a:t>
             </a:fld>
             <a:endParaRPr kumimoji="1" lang="ja-JP" altLang="en-US"/>
           </a:p>
@@ -1806,6 +1806,22 @@
   <p:clrMapOvr>
     <a:masterClrMapping/>
   </p:clrMapOvr>
+  <p:extLst>
+    <p:ext uri="{DCECCB84-F9BA-43D5-87BE-67443E8EF086}">
+      <p15:sldGuideLst xmlns:p15="http://schemas.microsoft.com/office/powerpoint/2012/main">
+        <p15:guide id="1" orient="horz" pos="2160" userDrawn="1">
+          <p15:clr>
+            <a:srgbClr val="FBAE40"/>
+          </p15:clr>
+        </p15:guide>
+        <p15:guide id="2" pos="3840" userDrawn="1">
+          <p15:clr>
+            <a:srgbClr val="FBAE40"/>
+          </p15:clr>
+        </p15:guide>
+      </p15:sldGuideLst>
+    </p:ext>
+  </p:extLst>
 </p:sldLayout>
 </file>
 
@@ -1966,7 +1982,7 @@
           <a:p>
             <a:fld id="{58D6FE3C-E830-4DE1-B21D-33D24C640CB8}" type="datetimeFigureOut">
               <a:rPr kumimoji="1" lang="ja-JP" altLang="en-US" smtClean="0"/>
-              <a:t>2025/5/18</a:t>
+              <a:t>2025/5/19</a:t>
             </a:fld>
             <a:endParaRPr kumimoji="1" lang="ja-JP" altLang="en-US"/>
           </a:p>
@@ -2206,7 +2222,7 @@
           <a:p>
             <a:fld id="{58D6FE3C-E830-4DE1-B21D-33D24C640CB8}" type="datetimeFigureOut">
               <a:rPr kumimoji="1" lang="ja-JP" altLang="en-US" smtClean="0"/>
-              <a:t>2025/5/18</a:t>
+              <a:t>2025/5/19</a:t>
             </a:fld>
             <a:endParaRPr kumimoji="1" lang="ja-JP" altLang="en-US"/>
           </a:p>
@@ -2436,7 +2452,7 @@
           <a:p>
             <a:fld id="{58D6FE3C-E830-4DE1-B21D-33D24C640CB8}" type="datetimeFigureOut">
               <a:rPr kumimoji="1" lang="ja-JP" altLang="en-US" smtClean="0"/>
-              <a:t>2025/5/18</a:t>
+              <a:t>2025/5/19</a:t>
             </a:fld>
             <a:endParaRPr kumimoji="1" lang="ja-JP" altLang="en-US"/>
           </a:p>
@@ -2506,6 +2522,22 @@
   <p:clrMapOvr>
     <a:masterClrMapping/>
   </p:clrMapOvr>
+  <p:extLst>
+    <p:ext uri="{DCECCB84-F9BA-43D5-87BE-67443E8EF086}">
+      <p15:sldGuideLst xmlns:p15="http://schemas.microsoft.com/office/powerpoint/2012/main">
+        <p15:guide id="1" orient="horz" pos="2160" userDrawn="1">
+          <p15:clr>
+            <a:srgbClr val="FBAE40"/>
+          </p15:clr>
+        </p15:guide>
+        <p15:guide id="2" pos="3840" userDrawn="1">
+          <p15:clr>
+            <a:srgbClr val="FBAE40"/>
+          </p15:clr>
+        </p15:guide>
+      </p15:sldGuideLst>
+    </p:ext>
+  </p:extLst>
 </p:sldLayout>
 </file>
 
@@ -2711,7 +2743,7 @@
           <a:p>
             <a:fld id="{58D6FE3C-E830-4DE1-B21D-33D24C640CB8}" type="datetimeFigureOut">
               <a:rPr kumimoji="1" lang="ja-JP" altLang="en-US" smtClean="0"/>
-              <a:t>2025/5/18</a:t>
+              <a:t>2025/5/19</a:t>
             </a:fld>
             <a:endParaRPr kumimoji="1" lang="ja-JP" altLang="en-US"/>
           </a:p>
@@ -3040,7 +3072,7 @@
           <a:p>
             <a:fld id="{58D6FE3C-E830-4DE1-B21D-33D24C640CB8}" type="datetimeFigureOut">
               <a:rPr kumimoji="1" lang="ja-JP" altLang="en-US" smtClean="0"/>
-              <a:t>2025/5/18</a:t>
+              <a:t>2025/5/19</a:t>
             </a:fld>
             <a:endParaRPr kumimoji="1" lang="ja-JP" altLang="en-US"/>
           </a:p>
@@ -3516,7 +3548,7 @@
           <a:p>
             <a:fld id="{58D6FE3C-E830-4DE1-B21D-33D24C640CB8}" type="datetimeFigureOut">
               <a:rPr kumimoji="1" lang="ja-JP" altLang="en-US" smtClean="0"/>
-              <a:t>2025/5/18</a:t>
+              <a:t>2025/5/19</a:t>
             </a:fld>
             <a:endParaRPr kumimoji="1" lang="ja-JP" altLang="en-US"/>
           </a:p>
@@ -3657,7 +3689,7 @@
           <a:p>
             <a:fld id="{58D6FE3C-E830-4DE1-B21D-33D24C640CB8}" type="datetimeFigureOut">
               <a:rPr kumimoji="1" lang="ja-JP" altLang="en-US" smtClean="0"/>
-              <a:t>2025/5/18</a:t>
+              <a:t>2025/5/19</a:t>
             </a:fld>
             <a:endParaRPr kumimoji="1" lang="ja-JP" altLang="en-US"/>
           </a:p>
@@ -3770,7 +3802,7 @@
           <a:p>
             <a:fld id="{58D6FE3C-E830-4DE1-B21D-33D24C640CB8}" type="datetimeFigureOut">
               <a:rPr kumimoji="1" lang="ja-JP" altLang="en-US" smtClean="0"/>
-              <a:t>2025/5/18</a:t>
+              <a:t>2025/5/19</a:t>
             </a:fld>
             <a:endParaRPr kumimoji="1" lang="ja-JP" altLang="en-US"/>
           </a:p>
@@ -4113,7 +4145,7 @@
           <a:p>
             <a:fld id="{58D6FE3C-E830-4DE1-B21D-33D24C640CB8}" type="datetimeFigureOut">
               <a:rPr kumimoji="1" lang="ja-JP" altLang="en-US" smtClean="0"/>
-              <a:t>2025/5/18</a:t>
+              <a:t>2025/5/19</a:t>
             </a:fld>
             <a:endParaRPr kumimoji="1" lang="ja-JP" altLang="en-US"/>
           </a:p>
@@ -4401,7 +4433,7 @@
           <a:p>
             <a:fld id="{58D6FE3C-E830-4DE1-B21D-33D24C640CB8}" type="datetimeFigureOut">
               <a:rPr kumimoji="1" lang="ja-JP" altLang="en-US" smtClean="0"/>
-              <a:t>2025/5/18</a:t>
+              <a:t>2025/5/19</a:t>
             </a:fld>
             <a:endParaRPr kumimoji="1" lang="ja-JP" altLang="en-US"/>
           </a:p>
@@ -4674,7 +4706,7 @@
           <a:p>
             <a:fld id="{58D6FE3C-E830-4DE1-B21D-33D24C640CB8}" type="datetimeFigureOut">
               <a:rPr kumimoji="1" lang="ja-JP" altLang="en-US" smtClean="0"/>
-              <a:t>2025/5/18</a:t>
+              <a:t>2025/5/19</a:t>
             </a:fld>
             <a:endParaRPr kumimoji="1" lang="ja-JP" altLang="en-US"/>
           </a:p>
@@ -5071,6 +5103,22 @@
       </a:lvl9pPr>
     </p:otherStyle>
   </p:txStyles>
+  <p:extLst>
+    <p:ext uri="{27BBF7A9-308A-43DC-89C8-2F10F3537804}">
+      <p15:sldGuideLst xmlns:p15="http://schemas.microsoft.com/office/powerpoint/2012/main">
+        <p15:guide id="1" orient="horz" pos="2160" userDrawn="1">
+          <p15:clr>
+            <a:srgbClr val="F26B43"/>
+          </p15:clr>
+        </p15:guide>
+        <p15:guide id="2" pos="3840" userDrawn="1">
+          <p15:clr>
+            <a:srgbClr val="F26B43"/>
+          </p15:clr>
+        </p15:guide>
+      </p15:sldGuideLst>
+    </p:ext>
+  </p:extLst>
 </p:sldMaster>
 </file>
 
@@ -10537,6 +10585,9 @@
             </a:r>
             <a:r>
               <a:rPr lang="en-US" altLang="ja-JP" sz="2400" dirty="0">
+                <a:solidFill>
+                  <a:srgbClr val="00A67D"/>
+                </a:solidFill>
                 <a:latin typeface="JetBrains Mono" panose="02000009000000000000" pitchFamily="49" charset="0"/>
                 <a:ea typeface="Noto Sans JP" panose="020B0200000000000000" pitchFamily="50" charset="-128"/>
                 <a:cs typeface="JetBrains Mono" panose="02000009000000000000" pitchFamily="49" charset="0"/>
@@ -10553,6 +10604,9 @@
             </a:r>
             <a:r>
               <a:rPr lang="en-US" altLang="ja-JP" sz="2400" dirty="0">
+                <a:solidFill>
+                  <a:srgbClr val="00A67D"/>
+                </a:solidFill>
                 <a:latin typeface="JetBrains Mono" panose="02000009000000000000" pitchFamily="49" charset="0"/>
                 <a:ea typeface="Noto Sans JP" panose="020B0200000000000000" pitchFamily="50" charset="-128"/>
                 <a:cs typeface="JetBrains Mono" panose="02000009000000000000" pitchFamily="49" charset="0"/>
@@ -11655,7 +11709,7 @@
                 <a:latin typeface="Noto Sans JP" panose="020B0200000000000000" pitchFamily="34" charset="-128"/>
                 <a:ea typeface="Noto Sans JP" panose="020B0200000000000000" pitchFamily="34" charset="-128"/>
               </a:rPr>
-              <a:t>開始準備：１５分</a:t>
+              <a:t>開始準備：１０分</a:t>
             </a:r>
             <a:endParaRPr lang="en-US" altLang="ja-JP" dirty="0">
               <a:latin typeface="Noto Sans JP" panose="020B0200000000000000" pitchFamily="34" charset="-128"/>
@@ -11682,7 +11736,7 @@
                 <a:latin typeface="Noto Sans JP" panose="020B0200000000000000" pitchFamily="34" charset="-128"/>
                 <a:ea typeface="Noto Sans JP" panose="020B0200000000000000" pitchFamily="34" charset="-128"/>
               </a:rPr>
-              <a:t>の入門講座：１０分</a:t>
+              <a:t>の入門講座：１５分</a:t>
             </a:r>
             <a:endParaRPr lang="en-US" altLang="ja-JP" dirty="0">
               <a:latin typeface="Noto Sans JP" panose="020B0200000000000000" pitchFamily="34" charset="-128"/>
@@ -12451,36 +12505,6 @@
           <a:chExt cx="0" cy="0"/>
         </a:xfrm>
       </p:grpSpPr>
-      <p:pic>
-        <p:nvPicPr>
-          <p:cNvPr id="4" name="図 3">
-            <a:extLst>
-              <a:ext uri="{FF2B5EF4-FFF2-40B4-BE49-F238E27FC236}">
-                <a16:creationId xmlns:a16="http://schemas.microsoft.com/office/drawing/2014/main" id="{B57D25D0-E122-06D1-1E86-1C4551FD6338}"/>
-              </a:ext>
-            </a:extLst>
-          </p:cNvPr>
-          <p:cNvPicPr>
-            <a:picLocks noChangeAspect="1"/>
-          </p:cNvPicPr>
-          <p:nvPr/>
-        </p:nvPicPr>
-        <p:blipFill>
-          <a:blip r:embed="rId3"/>
-          <a:stretch>
-            <a:fillRect/>
-          </a:stretch>
-        </p:blipFill>
-        <p:spPr>
-          <a:xfrm>
-            <a:off x="1047267" y="3664411"/>
-            <a:ext cx="9351602" cy="3309028"/>
-          </a:xfrm>
-          <a:prstGeom prst="rect">
-            <a:avLst/>
-          </a:prstGeom>
-        </p:spPr>
-      </p:pic>
       <p:sp>
         <p:nvSpPr>
           <p:cNvPr id="2" name="タイトル 1">
@@ -13067,6 +13091,36 @@
           </a:fontRef>
         </p:style>
       </p:cxnSp>
+      <p:pic>
+        <p:nvPicPr>
+          <p:cNvPr id="6" name="図 5">
+            <a:extLst>
+              <a:ext uri="{FF2B5EF4-FFF2-40B4-BE49-F238E27FC236}">
+                <a16:creationId xmlns:a16="http://schemas.microsoft.com/office/drawing/2014/main" id="{89EF6AB9-97AC-F0EA-E78D-264B9EEFD0DB}"/>
+              </a:ext>
+            </a:extLst>
+          </p:cNvPr>
+          <p:cNvPicPr>
+            <a:picLocks noChangeAspect="1"/>
+          </p:cNvPicPr>
+          <p:nvPr/>
+        </p:nvPicPr>
+        <p:blipFill>
+          <a:blip r:embed="rId3"/>
+          <a:stretch>
+            <a:fillRect/>
+          </a:stretch>
+        </p:blipFill>
+        <p:spPr>
+          <a:xfrm>
+            <a:off x="1076882" y="3855981"/>
+            <a:ext cx="9286318" cy="3067502"/>
+          </a:xfrm>
+          <a:prstGeom prst="rect">
+            <a:avLst/>
+          </a:prstGeom>
+        </p:spPr>
+      </p:pic>
     </p:spTree>
     <p:extLst>
       <p:ext uri="{BB962C8B-B14F-4D97-AF65-F5344CB8AC3E}">
@@ -13077,81 +13131,6 @@
   <p:clrMapOvr>
     <a:masterClrMapping/>
   </p:clrMapOvr>
-  <p:timing>
-    <p:tnLst>
-      <p:par>
-        <p:cTn id="1" dur="indefinite" restart="never" nodeType="tmRoot">
-          <p:childTnLst>
-            <p:seq concurrent="1" nextAc="seek">
-              <p:cTn id="2" dur="indefinite" nodeType="mainSeq">
-                <p:childTnLst>
-                  <p:par>
-                    <p:cTn id="3" fill="hold">
-                      <p:stCondLst>
-                        <p:cond delay="indefinite"/>
-                      </p:stCondLst>
-                      <p:childTnLst>
-                        <p:par>
-                          <p:cTn id="4" fill="hold">
-                            <p:stCondLst>
-                              <p:cond delay="0"/>
-                            </p:stCondLst>
-                            <p:childTnLst>
-                              <p:par>
-                                <p:cTn id="5" presetID="1" presetClass="entr" presetSubtype="0" fill="hold" nodeType="clickEffect">
-                                  <p:stCondLst>
-                                    <p:cond delay="0"/>
-                                  </p:stCondLst>
-                                  <p:childTnLst>
-                                    <p:set>
-                                      <p:cBhvr>
-                                        <p:cTn id="6" dur="1" fill="hold">
-                                          <p:stCondLst>
-                                            <p:cond delay="0"/>
-                                          </p:stCondLst>
-                                        </p:cTn>
-                                        <p:tgtEl>
-                                          <p:spTgt spid="4"/>
-                                        </p:tgtEl>
-                                        <p:attrNameLst>
-                                          <p:attrName>style.visibility</p:attrName>
-                                        </p:attrNameLst>
-                                      </p:cBhvr>
-                                      <p:to>
-                                        <p:strVal val="visible"/>
-                                      </p:to>
-                                    </p:set>
-                                  </p:childTnLst>
-                                </p:cTn>
-                              </p:par>
-                            </p:childTnLst>
-                          </p:cTn>
-                        </p:par>
-                      </p:childTnLst>
-                    </p:cTn>
-                  </p:par>
-                </p:childTnLst>
-              </p:cTn>
-              <p:prevCondLst>
-                <p:cond evt="onPrev" delay="0">
-                  <p:tgtEl>
-                    <p:sldTgt/>
-                  </p:tgtEl>
-                </p:cond>
-              </p:prevCondLst>
-              <p:nextCondLst>
-                <p:cond evt="onNext" delay="0">
-                  <p:tgtEl>
-                    <p:sldTgt/>
-                  </p:tgtEl>
-                </p:cond>
-              </p:nextCondLst>
-            </p:seq>
-          </p:childTnLst>
-        </p:cTn>
-      </p:par>
-    </p:tnLst>
-  </p:timing>
 </p:sld>
 </file>
 

--- a/2-python/Python体験会.pptx
+++ b/2-python/Python体験会.pptx
@@ -622,7 +622,7 @@
           <a:p>
             <a:fld id="{A08C9C50-5835-4EA9-AD68-23C8A1825812}" type="slidenum">
               <a:rPr kumimoji="1" lang="ja-JP" altLang="en-US" smtClean="0"/>
-              <a:t>20</a:t>
+              <a:t>3</a:t>
             </a:fld>
             <a:endParaRPr kumimoji="1" lang="ja-JP" altLang="en-US"/>
           </a:p>
@@ -631,7 +631,7 @@
     </p:spTree>
     <p:extLst>
       <p:ext uri="{BB962C8B-B14F-4D97-AF65-F5344CB8AC3E}">
-        <p14:creationId xmlns:p14="http://schemas.microsoft.com/office/powerpoint/2010/main" val="2018620179"/>
+        <p14:creationId xmlns:p14="http://schemas.microsoft.com/office/powerpoint/2010/main" val="2624121185"/>
       </p:ext>
     </p:extLst>
   </p:cSld>
@@ -642,6 +642,114 @@
 </file>
 
 <file path=ppt/notesSlides/notesSlide10.xml><?xml version="1.0" encoding="utf-8"?>
+<p:notes xmlns:a="http://schemas.openxmlformats.org/drawingml/2006/main" xmlns:r="http://schemas.openxmlformats.org/officeDocument/2006/relationships" xmlns:p="http://schemas.openxmlformats.org/presentationml/2006/main">
+  <p:cSld>
+    <p:spTree>
+      <p:nvGrpSpPr>
+        <p:cNvPr id="1" name="">
+          <a:extLst>
+            <a:ext uri="{FF2B5EF4-FFF2-40B4-BE49-F238E27FC236}">
+              <a16:creationId xmlns:a16="http://schemas.microsoft.com/office/drawing/2014/main" id="{E885F9B7-CEF6-1842-EAC0-A55AAEB91521}"/>
+            </a:ext>
+          </a:extLst>
+        </p:cNvPr>
+        <p:cNvGrpSpPr/>
+        <p:nvPr/>
+      </p:nvGrpSpPr>
+      <p:grpSpPr>
+        <a:xfrm>
+          <a:off x="0" y="0"/>
+          <a:ext cx="0" cy="0"/>
+          <a:chOff x="0" y="0"/>
+          <a:chExt cx="0" cy="0"/>
+        </a:xfrm>
+      </p:grpSpPr>
+      <p:sp>
+        <p:nvSpPr>
+          <p:cNvPr id="2" name="スライド イメージ プレースホルダー 1">
+            <a:extLst>
+              <a:ext uri="{FF2B5EF4-FFF2-40B4-BE49-F238E27FC236}">
+                <a16:creationId xmlns:a16="http://schemas.microsoft.com/office/drawing/2014/main" id="{CDF51DFB-9617-FD8E-3362-596E233E2758}"/>
+              </a:ext>
+            </a:extLst>
+          </p:cNvPr>
+          <p:cNvSpPr>
+            <a:spLocks noGrp="1" noRot="1" noChangeAspect="1"/>
+          </p:cNvSpPr>
+          <p:nvPr>
+            <p:ph type="sldImg"/>
+          </p:nvPr>
+        </p:nvSpPr>
+        <p:spPr/>
+      </p:sp>
+      <p:sp>
+        <p:nvSpPr>
+          <p:cNvPr id="3" name="ノート プレースホルダー 2">
+            <a:extLst>
+              <a:ext uri="{FF2B5EF4-FFF2-40B4-BE49-F238E27FC236}">
+                <a16:creationId xmlns:a16="http://schemas.microsoft.com/office/drawing/2014/main" id="{649D8F03-4107-7634-96C0-C90109BE1ED8}"/>
+              </a:ext>
+            </a:extLst>
+          </p:cNvPr>
+          <p:cNvSpPr>
+            <a:spLocks noGrp="1"/>
+          </p:cNvSpPr>
+          <p:nvPr>
+            <p:ph type="body" idx="1"/>
+          </p:nvPr>
+        </p:nvSpPr>
+        <p:spPr/>
+        <p:txBody>
+          <a:bodyPr/>
+          <a:lstStyle/>
+          <a:p>
+            <a:endParaRPr kumimoji="1" lang="ja-JP" altLang="en-US" dirty="0"/>
+          </a:p>
+        </p:txBody>
+      </p:sp>
+      <p:sp>
+        <p:nvSpPr>
+          <p:cNvPr id="4" name="スライド番号プレースホルダー 3">
+            <a:extLst>
+              <a:ext uri="{FF2B5EF4-FFF2-40B4-BE49-F238E27FC236}">
+                <a16:creationId xmlns:a16="http://schemas.microsoft.com/office/drawing/2014/main" id="{88D9C76F-57CE-5752-945E-D4771B3EFF48}"/>
+              </a:ext>
+            </a:extLst>
+          </p:cNvPr>
+          <p:cNvSpPr>
+            <a:spLocks noGrp="1"/>
+          </p:cNvSpPr>
+          <p:nvPr>
+            <p:ph type="sldNum" sz="quarter" idx="5"/>
+          </p:nvPr>
+        </p:nvSpPr>
+        <p:spPr/>
+        <p:txBody>
+          <a:bodyPr/>
+          <a:lstStyle/>
+          <a:p>
+            <a:fld id="{A08C9C50-5835-4EA9-AD68-23C8A1825812}" type="slidenum">
+              <a:rPr kumimoji="1" lang="ja-JP" altLang="en-US" smtClean="0"/>
+              <a:t>30</a:t>
+            </a:fld>
+            <a:endParaRPr kumimoji="1" lang="ja-JP" altLang="en-US"/>
+          </a:p>
+        </p:txBody>
+      </p:sp>
+    </p:spTree>
+    <p:extLst>
+      <p:ext uri="{BB962C8B-B14F-4D97-AF65-F5344CB8AC3E}">
+        <p14:creationId xmlns:p14="http://schemas.microsoft.com/office/powerpoint/2010/main" val="2668125969"/>
+      </p:ext>
+    </p:extLst>
+  </p:cSld>
+  <p:clrMapOvr>
+    <a:masterClrMapping/>
+  </p:clrMapOvr>
+</p:notes>
+</file>
+
+<file path=ppt/notesSlides/notesSlide11.xml><?xml version="1.0" encoding="utf-8"?>
 <p:notes xmlns:a="http://schemas.openxmlformats.org/drawingml/2006/main" xmlns:r="http://schemas.openxmlformats.org/officeDocument/2006/relationships" xmlns:p="http://schemas.openxmlformats.org/presentationml/2006/main">
   <p:cSld>
     <p:spTree>
@@ -754,6 +862,90 @@
   <p:cSld>
     <p:spTree>
       <p:nvGrpSpPr>
+        <p:cNvPr id="1" name=""/>
+        <p:cNvGrpSpPr/>
+        <p:nvPr/>
+      </p:nvGrpSpPr>
+      <p:grpSpPr>
+        <a:xfrm>
+          <a:off x="0" y="0"/>
+          <a:ext cx="0" cy="0"/>
+          <a:chOff x="0" y="0"/>
+          <a:chExt cx="0" cy="0"/>
+        </a:xfrm>
+      </p:grpSpPr>
+      <p:sp>
+        <p:nvSpPr>
+          <p:cNvPr id="2" name="スライド イメージ プレースホルダー 1"/>
+          <p:cNvSpPr>
+            <a:spLocks noGrp="1" noRot="1" noChangeAspect="1"/>
+          </p:cNvSpPr>
+          <p:nvPr>
+            <p:ph type="sldImg"/>
+          </p:nvPr>
+        </p:nvSpPr>
+        <p:spPr/>
+      </p:sp>
+      <p:sp>
+        <p:nvSpPr>
+          <p:cNvPr id="3" name="ノート プレースホルダー 2"/>
+          <p:cNvSpPr>
+            <a:spLocks noGrp="1"/>
+          </p:cNvSpPr>
+          <p:nvPr>
+            <p:ph type="body" idx="1"/>
+          </p:nvPr>
+        </p:nvSpPr>
+        <p:spPr/>
+        <p:txBody>
+          <a:bodyPr/>
+          <a:lstStyle/>
+          <a:p>
+            <a:endParaRPr kumimoji="1" lang="ja-JP" altLang="en-US" dirty="0"/>
+          </a:p>
+        </p:txBody>
+      </p:sp>
+      <p:sp>
+        <p:nvSpPr>
+          <p:cNvPr id="4" name="スライド番号プレースホルダー 3"/>
+          <p:cNvSpPr>
+            <a:spLocks noGrp="1"/>
+          </p:cNvSpPr>
+          <p:nvPr>
+            <p:ph type="sldNum" sz="quarter" idx="5"/>
+          </p:nvPr>
+        </p:nvSpPr>
+        <p:spPr/>
+        <p:txBody>
+          <a:bodyPr/>
+          <a:lstStyle/>
+          <a:p>
+            <a:fld id="{A08C9C50-5835-4EA9-AD68-23C8A1825812}" type="slidenum">
+              <a:rPr kumimoji="1" lang="ja-JP" altLang="en-US" smtClean="0"/>
+              <a:t>20</a:t>
+            </a:fld>
+            <a:endParaRPr kumimoji="1" lang="ja-JP" altLang="en-US"/>
+          </a:p>
+        </p:txBody>
+      </p:sp>
+    </p:spTree>
+    <p:extLst>
+      <p:ext uri="{BB962C8B-B14F-4D97-AF65-F5344CB8AC3E}">
+        <p14:creationId xmlns:p14="http://schemas.microsoft.com/office/powerpoint/2010/main" val="2018620179"/>
+      </p:ext>
+    </p:extLst>
+  </p:cSld>
+  <p:clrMapOvr>
+    <a:masterClrMapping/>
+  </p:clrMapOvr>
+</p:notes>
+</file>
+
+<file path=ppt/notesSlides/notesSlide3.xml><?xml version="1.0" encoding="utf-8"?>
+<p:notes xmlns:a="http://schemas.openxmlformats.org/drawingml/2006/main" xmlns:r="http://schemas.openxmlformats.org/officeDocument/2006/relationships" xmlns:p="http://schemas.openxmlformats.org/presentationml/2006/main">
+  <p:cSld>
+    <p:spTree>
+      <p:nvGrpSpPr>
         <p:cNvPr id="1" name="">
           <a:extLst>
             <a:ext uri="{FF2B5EF4-FFF2-40B4-BE49-F238E27FC236}">
@@ -857,7 +1049,7 @@
 </p:notes>
 </file>
 
-<file path=ppt/notesSlides/notesSlide3.xml><?xml version="1.0" encoding="utf-8"?>
+<file path=ppt/notesSlides/notesSlide4.xml><?xml version="1.0" encoding="utf-8"?>
 <p:notes xmlns:a="http://schemas.openxmlformats.org/drawingml/2006/main" xmlns:r="http://schemas.openxmlformats.org/officeDocument/2006/relationships" xmlns:p="http://schemas.openxmlformats.org/presentationml/2006/main">
   <p:cSld>
     <p:spTree>
@@ -965,7 +1157,7 @@
 </p:notes>
 </file>
 
-<file path=ppt/notesSlides/notesSlide4.xml><?xml version="1.0" encoding="utf-8"?>
+<file path=ppt/notesSlides/notesSlide5.xml><?xml version="1.0" encoding="utf-8"?>
 <p:notes xmlns:a="http://schemas.openxmlformats.org/drawingml/2006/main" xmlns:r="http://schemas.openxmlformats.org/officeDocument/2006/relationships" xmlns:p="http://schemas.openxmlformats.org/presentationml/2006/main">
   <p:cSld>
     <p:spTree>
@@ -1073,7 +1265,7 @@
 </p:notes>
 </file>
 
-<file path=ppt/notesSlides/notesSlide5.xml><?xml version="1.0" encoding="utf-8"?>
+<file path=ppt/notesSlides/notesSlide6.xml><?xml version="1.0" encoding="utf-8"?>
 <p:notes xmlns:a="http://schemas.openxmlformats.org/drawingml/2006/main" xmlns:r="http://schemas.openxmlformats.org/officeDocument/2006/relationships" xmlns:p="http://schemas.openxmlformats.org/presentationml/2006/main">
   <p:cSld>
     <p:spTree>
@@ -1181,7 +1373,7 @@
 </p:notes>
 </file>
 
-<file path=ppt/notesSlides/notesSlide6.xml><?xml version="1.0" encoding="utf-8"?>
+<file path=ppt/notesSlides/notesSlide7.xml><?xml version="1.0" encoding="utf-8"?>
 <p:notes xmlns:a="http://schemas.openxmlformats.org/drawingml/2006/main" xmlns:r="http://schemas.openxmlformats.org/officeDocument/2006/relationships" xmlns:p="http://schemas.openxmlformats.org/presentationml/2006/main">
   <p:cSld>
     <p:spTree>
@@ -1289,7 +1481,7 @@
 </p:notes>
 </file>
 
-<file path=ppt/notesSlides/notesSlide7.xml><?xml version="1.0" encoding="utf-8"?>
+<file path=ppt/notesSlides/notesSlide8.xml><?xml version="1.0" encoding="utf-8"?>
 <p:notes xmlns:a="http://schemas.openxmlformats.org/drawingml/2006/main" xmlns:r="http://schemas.openxmlformats.org/officeDocument/2006/relationships" xmlns:p="http://schemas.openxmlformats.org/presentationml/2006/main">
   <p:cSld>
     <p:spTree>
@@ -1397,7 +1589,7 @@
 </p:notes>
 </file>
 
-<file path=ppt/notesSlides/notesSlide8.xml><?xml version="1.0" encoding="utf-8"?>
+<file path=ppt/notesSlides/notesSlide9.xml><?xml version="1.0" encoding="utf-8"?>
 <p:notes xmlns:a="http://schemas.openxmlformats.org/drawingml/2006/main" xmlns:r="http://schemas.openxmlformats.org/officeDocument/2006/relationships" xmlns:p="http://schemas.openxmlformats.org/presentationml/2006/main">
   <p:cSld>
     <p:spTree>
@@ -1472,114 +1664,6 @@
     <p:extLst>
       <p:ext uri="{BB962C8B-B14F-4D97-AF65-F5344CB8AC3E}">
         <p14:creationId xmlns:p14="http://schemas.microsoft.com/office/powerpoint/2010/main" val="2508205668"/>
-      </p:ext>
-    </p:extLst>
-  </p:cSld>
-  <p:clrMapOvr>
-    <a:masterClrMapping/>
-  </p:clrMapOvr>
-</p:notes>
-</file>
-
-<file path=ppt/notesSlides/notesSlide9.xml><?xml version="1.0" encoding="utf-8"?>
-<p:notes xmlns:a="http://schemas.openxmlformats.org/drawingml/2006/main" xmlns:r="http://schemas.openxmlformats.org/officeDocument/2006/relationships" xmlns:p="http://schemas.openxmlformats.org/presentationml/2006/main">
-  <p:cSld>
-    <p:spTree>
-      <p:nvGrpSpPr>
-        <p:cNvPr id="1" name="">
-          <a:extLst>
-            <a:ext uri="{FF2B5EF4-FFF2-40B4-BE49-F238E27FC236}">
-              <a16:creationId xmlns:a16="http://schemas.microsoft.com/office/drawing/2014/main" id="{E885F9B7-CEF6-1842-EAC0-A55AAEB91521}"/>
-            </a:ext>
-          </a:extLst>
-        </p:cNvPr>
-        <p:cNvGrpSpPr/>
-        <p:nvPr/>
-      </p:nvGrpSpPr>
-      <p:grpSpPr>
-        <a:xfrm>
-          <a:off x="0" y="0"/>
-          <a:ext cx="0" cy="0"/>
-          <a:chOff x="0" y="0"/>
-          <a:chExt cx="0" cy="0"/>
-        </a:xfrm>
-      </p:grpSpPr>
-      <p:sp>
-        <p:nvSpPr>
-          <p:cNvPr id="2" name="スライド イメージ プレースホルダー 1">
-            <a:extLst>
-              <a:ext uri="{FF2B5EF4-FFF2-40B4-BE49-F238E27FC236}">
-                <a16:creationId xmlns:a16="http://schemas.microsoft.com/office/drawing/2014/main" id="{CDF51DFB-9617-FD8E-3362-596E233E2758}"/>
-              </a:ext>
-            </a:extLst>
-          </p:cNvPr>
-          <p:cNvSpPr>
-            <a:spLocks noGrp="1" noRot="1" noChangeAspect="1"/>
-          </p:cNvSpPr>
-          <p:nvPr>
-            <p:ph type="sldImg"/>
-          </p:nvPr>
-        </p:nvSpPr>
-        <p:spPr/>
-      </p:sp>
-      <p:sp>
-        <p:nvSpPr>
-          <p:cNvPr id="3" name="ノート プレースホルダー 2">
-            <a:extLst>
-              <a:ext uri="{FF2B5EF4-FFF2-40B4-BE49-F238E27FC236}">
-                <a16:creationId xmlns:a16="http://schemas.microsoft.com/office/drawing/2014/main" id="{649D8F03-4107-7634-96C0-C90109BE1ED8}"/>
-              </a:ext>
-            </a:extLst>
-          </p:cNvPr>
-          <p:cNvSpPr>
-            <a:spLocks noGrp="1"/>
-          </p:cNvSpPr>
-          <p:nvPr>
-            <p:ph type="body" idx="1"/>
-          </p:nvPr>
-        </p:nvSpPr>
-        <p:spPr/>
-        <p:txBody>
-          <a:bodyPr/>
-          <a:lstStyle/>
-          <a:p>
-            <a:endParaRPr kumimoji="1" lang="ja-JP" altLang="en-US" dirty="0"/>
-          </a:p>
-        </p:txBody>
-      </p:sp>
-      <p:sp>
-        <p:nvSpPr>
-          <p:cNvPr id="4" name="スライド番号プレースホルダー 3">
-            <a:extLst>
-              <a:ext uri="{FF2B5EF4-FFF2-40B4-BE49-F238E27FC236}">
-                <a16:creationId xmlns:a16="http://schemas.microsoft.com/office/drawing/2014/main" id="{88D9C76F-57CE-5752-945E-D4771B3EFF48}"/>
-              </a:ext>
-            </a:extLst>
-          </p:cNvPr>
-          <p:cNvSpPr>
-            <a:spLocks noGrp="1"/>
-          </p:cNvSpPr>
-          <p:nvPr>
-            <p:ph type="sldNum" sz="quarter" idx="5"/>
-          </p:nvPr>
-        </p:nvSpPr>
-        <p:spPr/>
-        <p:txBody>
-          <a:bodyPr/>
-          <a:lstStyle/>
-          <a:p>
-            <a:fld id="{A08C9C50-5835-4EA9-AD68-23C8A1825812}" type="slidenum">
-              <a:rPr kumimoji="1" lang="ja-JP" altLang="en-US" smtClean="0"/>
-              <a:t>30</a:t>
-            </a:fld>
-            <a:endParaRPr kumimoji="1" lang="ja-JP" altLang="en-US"/>
-          </a:p>
-        </p:txBody>
-      </p:sp>
-    </p:spTree>
-    <p:extLst>
-      <p:ext uri="{BB962C8B-B14F-4D97-AF65-F5344CB8AC3E}">
-        <p14:creationId xmlns:p14="http://schemas.microsoft.com/office/powerpoint/2010/main" val="2668125969"/>
       </p:ext>
     </p:extLst>
   </p:cSld>
@@ -5169,14 +5253,14 @@
           <a:p>
             <a:pPr algn="l"/>
             <a:r>
-              <a:rPr kumimoji="1" lang="en-US" altLang="ja-JP" sz="4000" dirty="0">
+              <a:rPr kumimoji="1" lang="en-US" altLang="ja-JP" sz="4000" b="1" dirty="0">
                 <a:latin typeface="Noto Sans JP" panose="020B0200000000000000" pitchFamily="34" charset="-128"/>
                 <a:ea typeface="Noto Sans JP" panose="020B0200000000000000" pitchFamily="34" charset="-128"/>
               </a:rPr>
               <a:t>Python </a:t>
             </a:r>
             <a:r>
-              <a:rPr kumimoji="1" lang="ja-JP" altLang="en-US" sz="4000" dirty="0">
+              <a:rPr kumimoji="1" lang="ja-JP" altLang="en-US" sz="4000" b="1" dirty="0">
                 <a:latin typeface="Noto Sans JP" panose="020B0200000000000000" pitchFamily="34" charset="-128"/>
                 <a:ea typeface="Noto Sans JP" panose="020B0200000000000000" pitchFamily="34" charset="-128"/>
               </a:rPr>
@@ -5229,7 +5313,7 @@
                 <a:ea typeface="Noto Sans JP" panose="020B0200000000000000" pitchFamily="34" charset="-128"/>
                 <a:cs typeface="Arial" panose="020B0604020202020204" pitchFamily="34" charset="0"/>
               </a:rPr>
-              <a:t>新田　昴</a:t>
+              <a:t>新田 昴、信 寛昭</a:t>
             </a:r>
             <a:endParaRPr kumimoji="1" lang="en-US" altLang="ja-JP" sz="2400" dirty="0">
               <a:latin typeface="Arial" panose="020B0604020202020204" pitchFamily="34" charset="0"/>
@@ -17450,11 +17534,13 @@
         <p:spPr>
           <a:xfrm>
             <a:off x="1352102" y="2172766"/>
-            <a:ext cx="9381067" cy="3330571"/>
+            <a:ext cx="9150915" cy="3330571"/>
           </a:xfrm>
         </p:spPr>
         <p:txBody>
-          <a:bodyPr/>
+          <a:bodyPr>
+            <a:normAutofit fontScale="92500" lnSpcReduction="10000"/>
+          </a:bodyPr>
           <a:lstStyle/>
           <a:p>
             <a:pPr marL="514350" indent="-514350">
@@ -17468,8 +17554,16 @@
               <a:rPr kumimoji="1" lang="en-US" altLang="ja-JP" dirty="0">
                 <a:latin typeface="Noto Sans JP" panose="020B0200000000000000" pitchFamily="34" charset="-128"/>
                 <a:ea typeface="Noto Sans JP" panose="020B0200000000000000" pitchFamily="34" charset="-128"/>
-              </a:rPr>
-              <a:t>Link</a:t>
+                <a:hlinkClick r:id="rId3"/>
+              </a:rPr>
+              <a:t>https://applii-wu.net/trial/</a:t>
+            </a:r>
+            <a:r>
+              <a:rPr kumimoji="1" lang="en-US" altLang="ja-JP" dirty="0">
+                <a:latin typeface="Noto Sans JP" panose="020B0200000000000000" pitchFamily="34" charset="-128"/>
+                <a:ea typeface="Noto Sans JP" panose="020B0200000000000000" pitchFamily="34" charset="-128"/>
+              </a:rPr>
+              <a:t> </a:t>
             </a:r>
             <a:r>
               <a:rPr kumimoji="1" lang="ja-JP" altLang="en-US" dirty="0">
@@ -17495,7 +17589,7 @@
               <a:rPr kumimoji="1" lang="en-US" altLang="ja-JP" dirty="0">
                 <a:latin typeface="Noto Sans JP" panose="020B0200000000000000" pitchFamily="34" charset="-128"/>
                 <a:ea typeface="Noto Sans JP" panose="020B0200000000000000" pitchFamily="34" charset="-128"/>
-                <a:hlinkClick r:id="rId2"/>
+                <a:hlinkClick r:id="rId4"/>
               </a:rPr>
               <a:t>AOJ</a:t>
             </a:r>
@@ -17503,7 +17597,7 @@
               <a:rPr kumimoji="1" lang="ja-JP" altLang="en-US" dirty="0">
                 <a:latin typeface="Noto Sans JP" panose="020B0200000000000000" pitchFamily="34" charset="-128"/>
                 <a:ea typeface="Noto Sans JP" panose="020B0200000000000000" pitchFamily="34" charset="-128"/>
-                <a:hlinkClick r:id="rId2"/>
+                <a:hlinkClick r:id="rId4"/>
               </a:rPr>
               <a:t>（</a:t>
             </a:r>
@@ -17511,7 +17605,7 @@
               <a:rPr kumimoji="1" lang="en-US" altLang="ja-JP" dirty="0">
                 <a:latin typeface="Noto Sans JP" panose="020B0200000000000000" pitchFamily="34" charset="-128"/>
                 <a:ea typeface="Noto Sans JP" panose="020B0200000000000000" pitchFamily="34" charset="-128"/>
-                <a:hlinkClick r:id="rId2"/>
+                <a:hlinkClick r:id="rId4"/>
               </a:rPr>
               <a:t>Aizu Online Judge</a:t>
             </a:r>
@@ -17519,7 +17613,7 @@
               <a:rPr kumimoji="1" lang="ja-JP" altLang="en-US" dirty="0">
                 <a:latin typeface="Noto Sans JP" panose="020B0200000000000000" pitchFamily="34" charset="-128"/>
                 <a:ea typeface="Noto Sans JP" panose="020B0200000000000000" pitchFamily="34" charset="-128"/>
-                <a:hlinkClick r:id="rId2"/>
+                <a:hlinkClick r:id="rId4"/>
               </a:rPr>
               <a:t>）</a:t>
             </a:r>
